--- a/lectures/11/1_Correlation.pptx
+++ b/lectures/11/1_Correlation.pptx
@@ -5,10 +5,10 @@
     <p:sldMasterId id="2147483648" r:id="rId4"/>
   </p:sldMasterIdLst>
   <p:notesMasterIdLst>
-    <p:notesMasterId r:id="rId40"/>
+    <p:notesMasterId r:id="rId41"/>
   </p:notesMasterIdLst>
   <p:handoutMasterIdLst>
-    <p:handoutMasterId r:id="rId41"/>
+    <p:handoutMasterId r:id="rId42"/>
   </p:handoutMasterIdLst>
   <p:sldIdLst>
     <p:sldId id="264" r:id="rId5"/>
@@ -45,7 +45,8 @@
     <p:sldId id="278" r:id="rId36"/>
     <p:sldId id="279" r:id="rId37"/>
     <p:sldId id="269" r:id="rId38"/>
-    <p:sldId id="268" r:id="rId39"/>
+    <p:sldId id="297" r:id="rId39"/>
+    <p:sldId id="268" r:id="rId40"/>
   </p:sldIdLst>
   <p:sldSz cx="12192000" cy="6858000"/>
   <p:notesSz cx="6858000" cy="9144000"/>
@@ -13556,7 +13557,7 @@
           <a:p>
             <a:fld id="{73B2889B-A0AC-4482-8592-5C96F2309420}" type="datetimeFigureOut">
               <a:rPr lang="en-US" smtClean="0"/>
-              <a:t>10/30/2021</a:t>
+              <a:t>11/1/2021</a:t>
             </a:fld>
             <a:endParaRPr lang="en-US"/>
           </a:p>
@@ -13733,7 +13734,7 @@
           <a:p>
             <a:fld id="{830EB223-FFC0-462A-A3B8-EAA7CE0F8CBD}" type="datetimeFigureOut">
               <a:rPr lang="en-US" smtClean="0"/>
-              <a:t>10/30/2021</a:t>
+              <a:t>11/1/2021</a:t>
             </a:fld>
             <a:endParaRPr lang="en-US" dirty="0"/>
           </a:p>
@@ -15920,6 +15921,100 @@
           <a:p>
             <a:r>
               <a:rPr lang="en-US" dirty="0"/>
+              <a:t>Go </a:t>
+            </a:r>
+            <a:r>
+              <a:rPr lang="en-US"/>
+              <a:t>to assignment 7 </a:t>
+            </a:r>
+          </a:p>
+          <a:p>
+            <a:endParaRPr lang="en-US"/>
+          </a:p>
+        </p:txBody>
+      </p:sp>
+      <p:sp>
+        <p:nvSpPr>
+          <p:cNvPr id="4" name="Slide Number Placeholder 3"/>
+          <p:cNvSpPr>
+            <a:spLocks noGrp="1"/>
+          </p:cNvSpPr>
+          <p:nvPr>
+            <p:ph type="sldNum" sz="quarter" idx="5"/>
+          </p:nvPr>
+        </p:nvSpPr>
+        <p:spPr/>
+        <p:txBody>
+          <a:bodyPr/>
+          <a:lstStyle/>
+          <a:p>
+            <a:fld id="{BC849E9A-41F7-4779-A581-48A7C374A227}" type="slidenum">
+              <a:rPr lang="en-US" smtClean="0"/>
+              <a:t>35</a:t>
+            </a:fld>
+            <a:endParaRPr lang="en-US" dirty="0"/>
+          </a:p>
+        </p:txBody>
+      </p:sp>
+    </p:spTree>
+    <p:extLst>
+      <p:ext uri="{BB962C8B-B14F-4D97-AF65-F5344CB8AC3E}">
+        <p14:creationId xmlns:p14="http://schemas.microsoft.com/office/powerpoint/2010/main" val="822284890"/>
+      </p:ext>
+    </p:extLst>
+  </p:cSld>
+  <p:clrMapOvr>
+    <a:masterClrMapping/>
+  </p:clrMapOvr>
+</p:notes>
+</file>
+
+<file path=ppt/notesSlides/notesSlide27.xml><?xml version="1.0" encoding="utf-8"?>
+<p:notes xmlns:a="http://schemas.openxmlformats.org/drawingml/2006/main" xmlns:r="http://schemas.openxmlformats.org/officeDocument/2006/relationships" xmlns:p="http://schemas.openxmlformats.org/presentationml/2006/main">
+  <p:cSld>
+    <p:spTree>
+      <p:nvGrpSpPr>
+        <p:cNvPr id="1" name=""/>
+        <p:cNvGrpSpPr/>
+        <p:nvPr/>
+      </p:nvGrpSpPr>
+      <p:grpSpPr>
+        <a:xfrm>
+          <a:off x="0" y="0"/>
+          <a:ext cx="0" cy="0"/>
+          <a:chOff x="0" y="0"/>
+          <a:chExt cx="0" cy="0"/>
+        </a:xfrm>
+      </p:grpSpPr>
+      <p:sp>
+        <p:nvSpPr>
+          <p:cNvPr id="2" name="Slide Image Placeholder 1"/>
+          <p:cNvSpPr>
+            <a:spLocks noGrp="1" noRot="1" noChangeAspect="1"/>
+          </p:cNvSpPr>
+          <p:nvPr>
+            <p:ph type="sldImg"/>
+          </p:nvPr>
+        </p:nvSpPr>
+        <p:spPr/>
+      </p:sp>
+      <p:sp>
+        <p:nvSpPr>
+          <p:cNvPr id="3" name="Notes Placeholder 2"/>
+          <p:cNvSpPr>
+            <a:spLocks noGrp="1"/>
+          </p:cNvSpPr>
+          <p:nvPr>
+            <p:ph type="body" idx="1"/>
+          </p:nvPr>
+        </p:nvSpPr>
+        <p:spPr/>
+        <p:txBody>
+          <a:bodyPr/>
+          <a:lstStyle/>
+          <a:p>
+            <a:r>
+              <a:rPr lang="en-US" dirty="0"/>
               <a:t>Example: </a:t>
             </a:r>
             <a:r>
@@ -16146,7 +16241,7 @@
                 <a:tabLst/>
                 <a:defRPr/>
               </a:pPr>
-              <a:t>35</a:t>
+              <a:t>36</a:t>
             </a:fld>
             <a:endParaRPr kumimoji="0" lang="en-US" sz="1200" b="0" i="0" u="none" strike="noStrike" kern="1200" cap="none" spc="0" normalizeH="0" baseline="0" noProof="0" dirty="0">
               <a:ln>
@@ -16985,7 +17080,7 @@
           <a:p>
             <a:fld id="{DECF21A4-E71B-4D3A-AF45-E989C23A7BB1}" type="datetimeFigureOut">
               <a:rPr lang="en-US" smtClean="0"/>
-              <a:t>10/30/2021</a:t>
+              <a:t>11/1/2021</a:t>
             </a:fld>
             <a:endParaRPr lang="en-US" dirty="0"/>
           </a:p>
@@ -17183,7 +17278,7 @@
           <a:p>
             <a:fld id="{DECF21A4-E71B-4D3A-AF45-E989C23A7BB1}" type="datetimeFigureOut">
               <a:rPr lang="en-US" smtClean="0"/>
-              <a:t>10/30/2021</a:t>
+              <a:t>11/1/2021</a:t>
             </a:fld>
             <a:endParaRPr lang="en-US" dirty="0"/>
           </a:p>
@@ -17391,7 +17486,7 @@
           <a:p>
             <a:fld id="{DECF21A4-E71B-4D3A-AF45-E989C23A7BB1}" type="datetimeFigureOut">
               <a:rPr lang="en-US" smtClean="0"/>
-              <a:t>10/30/2021</a:t>
+              <a:t>11/1/2021</a:t>
             </a:fld>
             <a:endParaRPr lang="en-US" dirty="0"/>
           </a:p>
@@ -17589,7 +17684,7 @@
           <a:p>
             <a:fld id="{DECF21A4-E71B-4D3A-AF45-E989C23A7BB1}" type="datetimeFigureOut">
               <a:rPr lang="en-US" smtClean="0"/>
-              <a:t>10/30/2021</a:t>
+              <a:t>11/1/2021</a:t>
             </a:fld>
             <a:endParaRPr lang="en-US" dirty="0"/>
           </a:p>
@@ -17864,7 +17959,7 @@
           <a:p>
             <a:fld id="{DECF21A4-E71B-4D3A-AF45-E989C23A7BB1}" type="datetimeFigureOut">
               <a:rPr lang="en-US" smtClean="0"/>
-              <a:t>10/30/2021</a:t>
+              <a:t>11/1/2021</a:t>
             </a:fld>
             <a:endParaRPr lang="en-US" dirty="0"/>
           </a:p>
@@ -18129,7 +18224,7 @@
           <a:p>
             <a:fld id="{DECF21A4-E71B-4D3A-AF45-E989C23A7BB1}" type="datetimeFigureOut">
               <a:rPr lang="en-US" smtClean="0"/>
-              <a:t>10/30/2021</a:t>
+              <a:t>11/1/2021</a:t>
             </a:fld>
             <a:endParaRPr lang="en-US" dirty="0"/>
           </a:p>
@@ -18541,7 +18636,7 @@
           <a:p>
             <a:fld id="{DECF21A4-E71B-4D3A-AF45-E989C23A7BB1}" type="datetimeFigureOut">
               <a:rPr lang="en-US" smtClean="0"/>
-              <a:t>10/30/2021</a:t>
+              <a:t>11/1/2021</a:t>
             </a:fld>
             <a:endParaRPr lang="en-US" dirty="0"/>
           </a:p>
@@ -18682,7 +18777,7 @@
           <a:p>
             <a:fld id="{DECF21A4-E71B-4D3A-AF45-E989C23A7BB1}" type="datetimeFigureOut">
               <a:rPr lang="en-US" smtClean="0"/>
-              <a:t>10/30/2021</a:t>
+              <a:t>11/1/2021</a:t>
             </a:fld>
             <a:endParaRPr lang="en-US" dirty="0"/>
           </a:p>
@@ -18795,7 +18890,7 @@
           <a:p>
             <a:fld id="{DECF21A4-E71B-4D3A-AF45-E989C23A7BB1}" type="datetimeFigureOut">
               <a:rPr lang="en-US" smtClean="0"/>
-              <a:t>10/30/2021</a:t>
+              <a:t>11/1/2021</a:t>
             </a:fld>
             <a:endParaRPr lang="en-US" dirty="0"/>
           </a:p>
@@ -19106,7 +19201,7 @@
           <a:p>
             <a:fld id="{DECF21A4-E71B-4D3A-AF45-E989C23A7BB1}" type="datetimeFigureOut">
               <a:rPr lang="en-US" smtClean="0"/>
-              <a:t>10/30/2021</a:t>
+              <a:t>11/1/2021</a:t>
             </a:fld>
             <a:endParaRPr lang="en-US" dirty="0"/>
           </a:p>
@@ -19398,7 +19493,7 @@
           <a:p>
             <a:fld id="{DECF21A4-E71B-4D3A-AF45-E989C23A7BB1}" type="datetimeFigureOut">
               <a:rPr lang="en-US" smtClean="0"/>
-              <a:t>10/30/2021</a:t>
+              <a:t>11/1/2021</a:t>
             </a:fld>
             <a:endParaRPr lang="en-US" dirty="0"/>
           </a:p>
@@ -19639,7 +19734,7 @@
           <a:p>
             <a:fld id="{DECF21A4-E71B-4D3A-AF45-E989C23A7BB1}" type="datetimeFigureOut">
               <a:rPr lang="en-US" smtClean="0"/>
-              <a:t>10/30/2021</a:t>
+              <a:t>11/1/2021</a:t>
             </a:fld>
             <a:endParaRPr lang="en-US" dirty="0"/>
           </a:p>
@@ -35468,6 +35563,520 @@
           <a:chExt cx="0" cy="0"/>
         </a:xfrm>
       </p:grpSpPr>
+      <p:sp useBgFill="1">
+        <p:nvSpPr>
+          <p:cNvPr id="10" name="Rectangle 9">
+            <a:extLst>
+              <a:ext uri="{FF2B5EF4-FFF2-40B4-BE49-F238E27FC236}">
+                <a16:creationId xmlns:a16="http://schemas.microsoft.com/office/drawing/2014/main" id="{BCED4D40-4B67-4331-AC48-79B82B4A47D8}"/>
+              </a:ext>
+              <a:ext uri="{C183D7F6-B498-43B3-948B-1728B52AA6E4}">
+                <adec:decorative xmlns:adec="http://schemas.microsoft.com/office/drawing/2017/decorative" val="1"/>
+              </a:ext>
+            </a:extLst>
+          </p:cNvPr>
+          <p:cNvSpPr>
+            <a:spLocks noGrp="1" noRot="1" noChangeAspect="1" noMove="1" noResize="1" noEditPoints="1" noAdjustHandles="1" noChangeArrowheads="1" noChangeShapeType="1" noTextEdit="1"/>
+          </p:cNvSpPr>
+          <p:nvPr>
+            <p:extLst>
+              <p:ext uri="{386F3935-93C4-4BCD-93E2-E3B085C9AB24}">
+                <p16:designElem xmlns:p16="http://schemas.microsoft.com/office/powerpoint/2015/main" val="1"/>
+              </p:ext>
+            </p:extLst>
+          </p:nvPr>
+        </p:nvSpPr>
+        <p:spPr>
+          <a:xfrm>
+            <a:off x="0" y="0"/>
+            <a:ext cx="12192000" cy="6858000"/>
+          </a:xfrm>
+          <a:prstGeom prst="rect">
+            <a:avLst/>
+          </a:prstGeom>
+          <a:ln>
+            <a:noFill/>
+          </a:ln>
+        </p:spPr>
+        <p:style>
+          <a:lnRef idx="2">
+            <a:schemeClr val="accent1">
+              <a:shade val="50000"/>
+            </a:schemeClr>
+          </a:lnRef>
+          <a:fillRef idx="1">
+            <a:schemeClr val="accent1"/>
+          </a:fillRef>
+          <a:effectRef idx="0">
+            <a:schemeClr val="accent1"/>
+          </a:effectRef>
+          <a:fontRef idx="minor">
+            <a:schemeClr val="lt1"/>
+          </a:fontRef>
+        </p:style>
+        <p:txBody>
+          <a:bodyPr rtlCol="0" anchor="ctr"/>
+          <a:lstStyle/>
+          <a:p>
+            <a:pPr algn="ctr"/>
+            <a:endParaRPr lang="en-US"/>
+          </a:p>
+        </p:txBody>
+      </p:sp>
+      <p:sp>
+        <p:nvSpPr>
+          <p:cNvPr id="2" name="Title 1">
+            <a:extLst>
+              <a:ext uri="{FF2B5EF4-FFF2-40B4-BE49-F238E27FC236}">
+                <a16:creationId xmlns:a16="http://schemas.microsoft.com/office/drawing/2014/main" id="{B52CE4A8-E467-423D-B249-8012A6E5390C}"/>
+              </a:ext>
+            </a:extLst>
+          </p:cNvPr>
+          <p:cNvSpPr>
+            <a:spLocks noGrp="1"/>
+          </p:cNvSpPr>
+          <p:nvPr>
+            <p:ph type="title"/>
+          </p:nvPr>
+        </p:nvSpPr>
+        <p:spPr>
+          <a:xfrm>
+            <a:off x="638881" y="417576"/>
+            <a:ext cx="10909640" cy="1249394"/>
+          </a:xfrm>
+        </p:spPr>
+        <p:txBody>
+          <a:bodyPr vert="horz" lIns="91440" tIns="45720" rIns="91440" bIns="45720" rtlCol="0" anchor="ctr">
+            <a:normAutofit/>
+          </a:bodyPr>
+          <a:lstStyle/>
+          <a:p>
+            <a:pPr algn="ctr"/>
+            <a:r>
+              <a:rPr lang="en-US" sz="4600" kern="1200">
+                <a:solidFill>
+                  <a:schemeClr val="tx1"/>
+                </a:solidFill>
+                <a:latin typeface="+mj-lt"/>
+                <a:ea typeface="+mj-ea"/>
+                <a:cs typeface="+mj-cs"/>
+              </a:rPr>
+              <a:t>Assignment 7: Mid-semester Peer Evaluation</a:t>
+            </a:r>
+          </a:p>
+        </p:txBody>
+      </p:sp>
+      <p:sp>
+        <p:nvSpPr>
+          <p:cNvPr id="12" name="sketch line">
+            <a:extLst>
+              <a:ext uri="{FF2B5EF4-FFF2-40B4-BE49-F238E27FC236}">
+                <a16:creationId xmlns:a16="http://schemas.microsoft.com/office/drawing/2014/main" id="{670CEDEF-4F34-412E-84EE-329C1E936AF5}"/>
+              </a:ext>
+              <a:ext uri="{C183D7F6-B498-43B3-948B-1728B52AA6E4}">
+                <adec:decorative xmlns:adec="http://schemas.microsoft.com/office/drawing/2017/decorative" val="1"/>
+              </a:ext>
+            </a:extLst>
+          </p:cNvPr>
+          <p:cNvSpPr>
+            <a:spLocks noGrp="1" noRot="1" noChangeAspect="1" noMove="1" noResize="1" noEditPoints="1" noAdjustHandles="1" noChangeArrowheads="1" noChangeShapeType="1" noTextEdit="1"/>
+          </p:cNvSpPr>
+          <p:nvPr>
+            <p:extLst>
+              <p:ext uri="{386F3935-93C4-4BCD-93E2-E3B085C9AB24}">
+                <p16:designElem xmlns:p16="http://schemas.microsoft.com/office/powerpoint/2015/main" val="1"/>
+              </p:ext>
+            </p:extLst>
+          </p:nvPr>
+        </p:nvSpPr>
+        <p:spPr>
+          <a:xfrm>
+            <a:off x="3807702" y="1733454"/>
+            <a:ext cx="4572000" cy="18288"/>
+          </a:xfrm>
+          <a:custGeom>
+            <a:avLst/>
+            <a:gdLst>
+              <a:gd name="connsiteX0" fmla="*/ 0 w 4572000"/>
+              <a:gd name="connsiteY0" fmla="*/ 0 h 18288"/>
+              <a:gd name="connsiteX1" fmla="*/ 515983 w 4572000"/>
+              <a:gd name="connsiteY1" fmla="*/ 0 h 18288"/>
+              <a:gd name="connsiteX2" fmla="*/ 1031966 w 4572000"/>
+              <a:gd name="connsiteY2" fmla="*/ 0 h 18288"/>
+              <a:gd name="connsiteX3" fmla="*/ 1639389 w 4572000"/>
+              <a:gd name="connsiteY3" fmla="*/ 0 h 18288"/>
+              <a:gd name="connsiteX4" fmla="*/ 2383971 w 4572000"/>
+              <a:gd name="connsiteY4" fmla="*/ 0 h 18288"/>
+              <a:gd name="connsiteX5" fmla="*/ 2945674 w 4572000"/>
+              <a:gd name="connsiteY5" fmla="*/ 0 h 18288"/>
+              <a:gd name="connsiteX6" fmla="*/ 3507377 w 4572000"/>
+              <a:gd name="connsiteY6" fmla="*/ 0 h 18288"/>
+              <a:gd name="connsiteX7" fmla="*/ 4572000 w 4572000"/>
+              <a:gd name="connsiteY7" fmla="*/ 0 h 18288"/>
+              <a:gd name="connsiteX8" fmla="*/ 4572000 w 4572000"/>
+              <a:gd name="connsiteY8" fmla="*/ 18288 h 18288"/>
+              <a:gd name="connsiteX9" fmla="*/ 3873137 w 4572000"/>
+              <a:gd name="connsiteY9" fmla="*/ 18288 h 18288"/>
+              <a:gd name="connsiteX10" fmla="*/ 3311434 w 4572000"/>
+              <a:gd name="connsiteY10" fmla="*/ 18288 h 18288"/>
+              <a:gd name="connsiteX11" fmla="*/ 2749731 w 4572000"/>
+              <a:gd name="connsiteY11" fmla="*/ 18288 h 18288"/>
+              <a:gd name="connsiteX12" fmla="*/ 2050869 w 4572000"/>
+              <a:gd name="connsiteY12" fmla="*/ 18288 h 18288"/>
+              <a:gd name="connsiteX13" fmla="*/ 1306286 w 4572000"/>
+              <a:gd name="connsiteY13" fmla="*/ 18288 h 18288"/>
+              <a:gd name="connsiteX14" fmla="*/ 790303 w 4572000"/>
+              <a:gd name="connsiteY14" fmla="*/ 18288 h 18288"/>
+              <a:gd name="connsiteX15" fmla="*/ 0 w 4572000"/>
+              <a:gd name="connsiteY15" fmla="*/ 18288 h 18288"/>
+              <a:gd name="connsiteX16" fmla="*/ 0 w 4572000"/>
+              <a:gd name="connsiteY16" fmla="*/ 0 h 18288"/>
+            </a:gdLst>
+            <a:ahLst/>
+            <a:cxnLst>
+              <a:cxn ang="0">
+                <a:pos x="connsiteX0" y="connsiteY0"/>
+              </a:cxn>
+              <a:cxn ang="0">
+                <a:pos x="connsiteX1" y="connsiteY1"/>
+              </a:cxn>
+              <a:cxn ang="0">
+                <a:pos x="connsiteX2" y="connsiteY2"/>
+              </a:cxn>
+              <a:cxn ang="0">
+                <a:pos x="connsiteX3" y="connsiteY3"/>
+              </a:cxn>
+              <a:cxn ang="0">
+                <a:pos x="connsiteX4" y="connsiteY4"/>
+              </a:cxn>
+              <a:cxn ang="0">
+                <a:pos x="connsiteX5" y="connsiteY5"/>
+              </a:cxn>
+              <a:cxn ang="0">
+                <a:pos x="connsiteX6" y="connsiteY6"/>
+              </a:cxn>
+              <a:cxn ang="0">
+                <a:pos x="connsiteX7" y="connsiteY7"/>
+              </a:cxn>
+              <a:cxn ang="0">
+                <a:pos x="connsiteX8" y="connsiteY8"/>
+              </a:cxn>
+              <a:cxn ang="0">
+                <a:pos x="connsiteX9" y="connsiteY9"/>
+              </a:cxn>
+              <a:cxn ang="0">
+                <a:pos x="connsiteX10" y="connsiteY10"/>
+              </a:cxn>
+              <a:cxn ang="0">
+                <a:pos x="connsiteX11" y="connsiteY11"/>
+              </a:cxn>
+              <a:cxn ang="0">
+                <a:pos x="connsiteX12" y="connsiteY12"/>
+              </a:cxn>
+              <a:cxn ang="0">
+                <a:pos x="connsiteX13" y="connsiteY13"/>
+              </a:cxn>
+              <a:cxn ang="0">
+                <a:pos x="connsiteX14" y="connsiteY14"/>
+              </a:cxn>
+              <a:cxn ang="0">
+                <a:pos x="connsiteX15" y="connsiteY15"/>
+              </a:cxn>
+              <a:cxn ang="0">
+                <a:pos x="connsiteX16" y="connsiteY16"/>
+              </a:cxn>
+            </a:cxnLst>
+            <a:rect l="l" t="t" r="r" b="b"/>
+            <a:pathLst>
+              <a:path w="4572000" h="18288" fill="none" extrusionOk="0">
+                <a:moveTo>
+                  <a:pt x="0" y="0"/>
+                </a:moveTo>
+                <a:cubicBezTo>
+                  <a:pt x="105156" y="-20963"/>
+                  <a:pt x="340432" y="822"/>
+                  <a:pt x="515983" y="0"/>
+                </a:cubicBezTo>
+                <a:cubicBezTo>
+                  <a:pt x="691534" y="-822"/>
+                  <a:pt x="850679" y="16479"/>
+                  <a:pt x="1031966" y="0"/>
+                </a:cubicBezTo>
+                <a:cubicBezTo>
+                  <a:pt x="1213253" y="-16479"/>
+                  <a:pt x="1443646" y="-18730"/>
+                  <a:pt x="1639389" y="0"/>
+                </a:cubicBezTo>
+                <a:cubicBezTo>
+                  <a:pt x="1835132" y="18730"/>
+                  <a:pt x="2159975" y="18531"/>
+                  <a:pt x="2383971" y="0"/>
+                </a:cubicBezTo>
+                <a:cubicBezTo>
+                  <a:pt x="2607967" y="-18531"/>
+                  <a:pt x="2719096" y="-12030"/>
+                  <a:pt x="2945674" y="0"/>
+                </a:cubicBezTo>
+                <a:cubicBezTo>
+                  <a:pt x="3172252" y="12030"/>
+                  <a:pt x="3269167" y="27666"/>
+                  <a:pt x="3507377" y="0"/>
+                </a:cubicBezTo>
+                <a:cubicBezTo>
+                  <a:pt x="3745587" y="-27666"/>
+                  <a:pt x="4116741" y="18705"/>
+                  <a:pt x="4572000" y="0"/>
+                </a:cubicBezTo>
+                <a:cubicBezTo>
+                  <a:pt x="4572895" y="8974"/>
+                  <a:pt x="4571454" y="9359"/>
+                  <a:pt x="4572000" y="18288"/>
+                </a:cubicBezTo>
+                <a:cubicBezTo>
+                  <a:pt x="4374698" y="3942"/>
+                  <a:pt x="4098874" y="-11042"/>
+                  <a:pt x="3873137" y="18288"/>
+                </a:cubicBezTo>
+                <a:cubicBezTo>
+                  <a:pt x="3647400" y="47618"/>
+                  <a:pt x="3517055" y="5421"/>
+                  <a:pt x="3311434" y="18288"/>
+                </a:cubicBezTo>
+                <a:cubicBezTo>
+                  <a:pt x="3105813" y="31155"/>
+                  <a:pt x="3025168" y="17856"/>
+                  <a:pt x="2749731" y="18288"/>
+                </a:cubicBezTo>
+                <a:cubicBezTo>
+                  <a:pt x="2474294" y="18720"/>
+                  <a:pt x="2291766" y="-14168"/>
+                  <a:pt x="2050869" y="18288"/>
+                </a:cubicBezTo>
+                <a:cubicBezTo>
+                  <a:pt x="1809972" y="50744"/>
+                  <a:pt x="1540276" y="46798"/>
+                  <a:pt x="1306286" y="18288"/>
+                </a:cubicBezTo>
+                <a:cubicBezTo>
+                  <a:pt x="1072296" y="-10222"/>
+                  <a:pt x="972445" y="19645"/>
+                  <a:pt x="790303" y="18288"/>
+                </a:cubicBezTo>
+                <a:cubicBezTo>
+                  <a:pt x="608161" y="16931"/>
+                  <a:pt x="200981" y="8241"/>
+                  <a:pt x="0" y="18288"/>
+                </a:cubicBezTo>
+                <a:cubicBezTo>
+                  <a:pt x="-229" y="14222"/>
+                  <a:pt x="509" y="5816"/>
+                  <a:pt x="0" y="0"/>
+                </a:cubicBezTo>
+                <a:close/>
+              </a:path>
+              <a:path w="4572000" h="18288" stroke="0" extrusionOk="0">
+                <a:moveTo>
+                  <a:pt x="0" y="0"/>
+                </a:moveTo>
+                <a:cubicBezTo>
+                  <a:pt x="143285" y="-9565"/>
+                  <a:pt x="327959" y="-11498"/>
+                  <a:pt x="561703" y="0"/>
+                </a:cubicBezTo>
+                <a:cubicBezTo>
+                  <a:pt x="795447" y="11498"/>
+                  <a:pt x="838260" y="18255"/>
+                  <a:pt x="1077686" y="0"/>
+                </a:cubicBezTo>
+                <a:cubicBezTo>
+                  <a:pt x="1317112" y="-18255"/>
+                  <a:pt x="1437472" y="23514"/>
+                  <a:pt x="1639389" y="0"/>
+                </a:cubicBezTo>
+                <a:cubicBezTo>
+                  <a:pt x="1841306" y="-23514"/>
+                  <a:pt x="2037142" y="-12551"/>
+                  <a:pt x="2292531" y="0"/>
+                </a:cubicBezTo>
+                <a:cubicBezTo>
+                  <a:pt x="2547920" y="12551"/>
+                  <a:pt x="2810436" y="-20352"/>
+                  <a:pt x="2991394" y="0"/>
+                </a:cubicBezTo>
+                <a:cubicBezTo>
+                  <a:pt x="3172352" y="20352"/>
+                  <a:pt x="3530025" y="-13347"/>
+                  <a:pt x="3735977" y="0"/>
+                </a:cubicBezTo>
+                <a:cubicBezTo>
+                  <a:pt x="3941929" y="13347"/>
+                  <a:pt x="4161497" y="34086"/>
+                  <a:pt x="4572000" y="0"/>
+                </a:cubicBezTo>
+                <a:cubicBezTo>
+                  <a:pt x="4571545" y="6162"/>
+                  <a:pt x="4571903" y="11775"/>
+                  <a:pt x="4572000" y="18288"/>
+                </a:cubicBezTo>
+                <a:cubicBezTo>
+                  <a:pt x="4228040" y="36490"/>
+                  <a:pt x="4199736" y="42557"/>
+                  <a:pt x="3873137" y="18288"/>
+                </a:cubicBezTo>
+                <a:cubicBezTo>
+                  <a:pt x="3546538" y="-5981"/>
+                  <a:pt x="3472124" y="16809"/>
+                  <a:pt x="3128554" y="18288"/>
+                </a:cubicBezTo>
+                <a:cubicBezTo>
+                  <a:pt x="2784984" y="19767"/>
+                  <a:pt x="2735896" y="-17781"/>
+                  <a:pt x="2383971" y="18288"/>
+                </a:cubicBezTo>
+                <a:cubicBezTo>
+                  <a:pt x="2032046" y="54357"/>
+                  <a:pt x="2019324" y="2920"/>
+                  <a:pt x="1867989" y="18288"/>
+                </a:cubicBezTo>
+                <a:cubicBezTo>
+                  <a:pt x="1716654" y="33656"/>
+                  <a:pt x="1418675" y="32575"/>
+                  <a:pt x="1169126" y="18288"/>
+                </a:cubicBezTo>
+                <a:cubicBezTo>
+                  <a:pt x="919577" y="4001"/>
+                  <a:pt x="798537" y="16165"/>
+                  <a:pt x="561703" y="18288"/>
+                </a:cubicBezTo>
+                <a:cubicBezTo>
+                  <a:pt x="324869" y="20411"/>
+                  <a:pt x="221395" y="-912"/>
+                  <a:pt x="0" y="18288"/>
+                </a:cubicBezTo>
+                <a:cubicBezTo>
+                  <a:pt x="766" y="10800"/>
+                  <a:pt x="-457" y="8180"/>
+                  <a:pt x="0" y="0"/>
+                </a:cubicBezTo>
+                <a:close/>
+              </a:path>
+            </a:pathLst>
+          </a:custGeom>
+          <a:solidFill>
+            <a:schemeClr val="accent2"/>
+          </a:solidFill>
+          <a:ln w="41275" cap="rnd">
+            <a:solidFill>
+              <a:schemeClr val="accent2"/>
+            </a:solidFill>
+            <a:round/>
+            <a:extLst>
+              <a:ext uri="{C807C97D-BFC1-408E-A445-0C87EB9F89A2}">
+                <ask:lineSketchStyleProps xmlns:ask="http://schemas.microsoft.com/office/drawing/2018/sketchyshapes" sd="2727557108">
+                  <a:prstGeom prst="rect">
+                    <a:avLst/>
+                  </a:prstGeom>
+                  <ask:type>
+                    <ask:lineSketchFreehand/>
+                  </ask:type>
+                </ask:lineSketchStyleProps>
+              </a:ext>
+            </a:extLst>
+          </a:ln>
+        </p:spPr>
+        <p:style>
+          <a:lnRef idx="2">
+            <a:schemeClr val="accent1">
+              <a:shade val="50000"/>
+            </a:schemeClr>
+          </a:lnRef>
+          <a:fillRef idx="1">
+            <a:schemeClr val="accent1"/>
+          </a:fillRef>
+          <a:effectRef idx="0">
+            <a:schemeClr val="accent1"/>
+          </a:effectRef>
+          <a:fontRef idx="minor">
+            <a:schemeClr val="lt1"/>
+          </a:fontRef>
+        </p:style>
+        <p:txBody>
+          <a:bodyPr rtlCol="0" anchor="ctr"/>
+          <a:lstStyle/>
+          <a:p>
+            <a:pPr algn="ctr"/>
+            <a:endParaRPr lang="en-US"/>
+          </a:p>
+        </p:txBody>
+      </p:sp>
+      <p:pic>
+        <p:nvPicPr>
+          <p:cNvPr id="5" name="Picture 4" descr="Text&#10;&#10;Description automatically generated">
+            <a:extLst>
+              <a:ext uri="{FF2B5EF4-FFF2-40B4-BE49-F238E27FC236}">
+                <a16:creationId xmlns:a16="http://schemas.microsoft.com/office/drawing/2014/main" id="{9D42FAB4-84A0-4DAE-A3FF-694DDFFB59D0}"/>
+              </a:ext>
+            </a:extLst>
+          </p:cNvPr>
+          <p:cNvPicPr>
+            <a:picLocks noChangeAspect="1"/>
+          </p:cNvPicPr>
+          <p:nvPr/>
+        </p:nvPicPr>
+        <p:blipFill>
+          <a:blip r:embed="rId3"/>
+          <a:stretch>
+            <a:fillRect/>
+          </a:stretch>
+        </p:blipFill>
+        <p:spPr>
+          <a:xfrm>
+            <a:off x="1972230" y="2633472"/>
+            <a:ext cx="8244491" cy="3586353"/>
+          </a:xfrm>
+          <a:prstGeom prst="rect">
+            <a:avLst/>
+          </a:prstGeom>
+        </p:spPr>
+      </p:pic>
+    </p:spTree>
+    <p:extLst>
+      <p:ext uri="{BB962C8B-B14F-4D97-AF65-F5344CB8AC3E}">
+        <p14:creationId xmlns:p14="http://schemas.microsoft.com/office/powerpoint/2010/main" val="859658172"/>
+      </p:ext>
+    </p:extLst>
+  </p:cSld>
+  <p:clrMapOvr>
+    <a:masterClrMapping/>
+  </p:clrMapOvr>
+</p:sld>
+</file>
+
+<file path=ppt/slides/slide36.xml><?xml version="1.0" encoding="utf-8"?>
+<p:sld xmlns:a="http://schemas.openxmlformats.org/drawingml/2006/main" xmlns:r="http://schemas.openxmlformats.org/officeDocument/2006/relationships" xmlns:p="http://schemas.openxmlformats.org/presentationml/2006/main">
+  <p:cSld>
+    <p:bg>
+      <p:bgPr>
+        <a:solidFill>
+          <a:schemeClr val="bg1"/>
+        </a:solidFill>
+        <a:effectLst/>
+      </p:bgPr>
+    </p:bg>
+    <p:spTree>
+      <p:nvGrpSpPr>
+        <p:cNvPr id="1" name=""/>
+        <p:cNvGrpSpPr/>
+        <p:nvPr/>
+      </p:nvGrpSpPr>
+      <p:grpSpPr>
+        <a:xfrm>
+          <a:off x="0" y="0"/>
+          <a:ext cx="0" cy="0"/>
+          <a:chOff x="0" y="0"/>
+          <a:chExt cx="0" cy="0"/>
+        </a:xfrm>
+      </p:grpSpPr>
       <p:sp>
         <p:nvSpPr>
           <p:cNvPr id="76" name="Rectangle 24">
@@ -35973,7 +36582,7 @@
                 <a:tabLst/>
                 <a:defRPr/>
               </a:pPr>
-              <a:t>35</a:t>
+              <a:t>36</a:t>
             </a:fld>
             <a:endParaRPr kumimoji="0" lang="en-US" sz="1200" b="0" i="0" u="none" strike="noStrike" kern="1200" cap="none" spc="0" normalizeH="0" baseline="0" noProof="0">
               <a:ln>
@@ -41268,15 +41877,6 @@
 </file>
 
 <file path=customXml/item1.xml><?xml version="1.0" encoding="utf-8"?>
-<?mso-contentType ?>
-<FormTemplates xmlns="http://schemas.microsoft.com/sharepoint/v3/contenttype/forms">
-  <Display>DocumentLibraryForm</Display>
-  <Edit>DocumentLibraryForm</Edit>
-  <New>DocumentLibraryForm</New>
-</FormTemplates>
-</file>
-
-<file path=customXml/item2.xml><?xml version="1.0" encoding="utf-8"?>
 <ct:contentTypeSchema xmlns:ct="http://schemas.microsoft.com/office/2006/metadata/contentType" xmlns:ma="http://schemas.microsoft.com/office/2006/metadata/properties/metaAttributes" ct:_="" ma:_="" ma:contentTypeName="Document" ma:contentTypeID="0x01010079F111ED35F8CC479449609E8A0923A6" ma:contentTypeVersion="11" ma:contentTypeDescription="Create a new document." ma:contentTypeScope="" ma:versionID="96291512c1ee715ab617f4c07df79fc1">
   <xsd:schema xmlns:xsd="http://www.w3.org/2001/XMLSchema" xmlns:xs="http://www.w3.org/2001/XMLSchema" xmlns:p="http://schemas.microsoft.com/office/2006/metadata/properties" xmlns:ns2="71af3243-3dd4-4a8d-8c0d-dd76da1f02a5" xmlns:ns3="16c05727-aa75-4e4a-9b5f-8a80a1165891" targetNamespace="http://schemas.microsoft.com/office/2006/metadata/properties" ma:root="true" ma:fieldsID="8256c27c40ca5c40ce1cf6c44f0205df" ns2:_="" ns3:_="">
     <xsd:import namespace="71af3243-3dd4-4a8d-8c0d-dd76da1f02a5"/>
@@ -41487,6 +42087,15 @@
 </ct:contentTypeSchema>
 </file>
 
+<file path=customXml/item2.xml><?xml version="1.0" encoding="utf-8"?>
+<?mso-contentType ?>
+<FormTemplates xmlns="http://schemas.microsoft.com/sharepoint/v3/contenttype/forms">
+  <Display>DocumentLibraryForm</Display>
+  <Edit>DocumentLibraryForm</Edit>
+  <New>DocumentLibraryForm</New>
+</FormTemplates>
+</file>
+
 <file path=customXml/item3.xml><?xml version="1.0" encoding="utf-8"?>
 <p:properties xmlns:p="http://schemas.microsoft.com/office/2006/metadata/properties" xmlns:xsi="http://www.w3.org/2001/XMLSchema-instance" xmlns:pc="http://schemas.microsoft.com/office/infopath/2007/PartnerControls">
   <documentManagement>
@@ -41496,14 +42105,6 @@
 </file>
 
 <file path=customXml/itemProps1.xml><?xml version="1.0" encoding="utf-8"?>
-<ds:datastoreItem xmlns:ds="http://schemas.openxmlformats.org/officeDocument/2006/customXml" ds:itemID="{5CA875DA-F9FD-4F83-A049-3B1027B542DE}">
-  <ds:schemaRefs>
-    <ds:schemaRef ds:uri="http://schemas.microsoft.com/sharepoint/v3/contenttype/forms"/>
-  </ds:schemaRefs>
-</ds:datastoreItem>
-</file>
-
-<file path=customXml/itemProps2.xml><?xml version="1.0" encoding="utf-8"?>
 <ds:datastoreItem xmlns:ds="http://schemas.openxmlformats.org/officeDocument/2006/customXml" ds:itemID="{B2AB02E3-5ADF-4BF0-9C1B-35CDF3FE95B0}">
   <ds:schemaRefs>
     <ds:schemaRef ds:uri="http://schemas.microsoft.com/office/2006/metadata/contentType"/>
@@ -41522,6 +42123,14 @@
 </ds:datastoreItem>
 </file>
 
+<file path=customXml/itemProps2.xml><?xml version="1.0" encoding="utf-8"?>
+<ds:datastoreItem xmlns:ds="http://schemas.openxmlformats.org/officeDocument/2006/customXml" ds:itemID="{5CA875DA-F9FD-4F83-A049-3B1027B542DE}">
+  <ds:schemaRefs>
+    <ds:schemaRef ds:uri="http://schemas.microsoft.com/sharepoint/v3/contenttype/forms"/>
+  </ds:schemaRefs>
+</ds:datastoreItem>
+</file>
+
 <file path=customXml/itemProps3.xml><?xml version="1.0" encoding="utf-8"?>
 <ds:datastoreItem xmlns:ds="http://schemas.openxmlformats.org/officeDocument/2006/customXml" ds:itemID="{03C7D9E6-B0D9-433E-BD46-EB60F64F4DA8}">
   <ds:schemaRefs>
